--- a/doc/azocpupi_overview.pptx
+++ b/doc/azocpupi_overview.pptx
@@ -31,7 +31,8 @@
     <p:sldId id="278" r:id="rId25"/>
     <p:sldId id="280" r:id="rId26"/>
     <p:sldId id="281" r:id="rId27"/>
-    <p:sldId id="282" r:id="rId28"/>
+    <p:sldId id="285" r:id="rId28"/>
+    <p:sldId id="282" r:id="rId29"/>
   </p:sldIdLst>
   <p:sldSz cx="12192000" cy="6858000"/>
   <p:notesSz cx="6858000" cy="9144000"/>
@@ -3806,10 +3807,10 @@
       </p:sp>
       <p:pic>
         <p:nvPicPr>
-          <p:cNvPr id="9" name="Content Placeholder 8">
+          <p:cNvPr id="6" name="Content Placeholder 5">
             <a:extLst>
               <a:ext uri="{FF2B5EF4-FFF2-40B4-BE49-F238E27FC236}">
-                <a16:creationId xmlns:a16="http://schemas.microsoft.com/office/drawing/2014/main" id="{0A5BBCA3-EEBC-8D42-B5D2-E54864BFDD37}"/>
+                <a16:creationId xmlns:a16="http://schemas.microsoft.com/office/drawing/2014/main" id="{356F09E5-D6B4-7A4F-A190-116F1B68C23F}"/>
               </a:ext>
             </a:extLst>
           </p:cNvPr>
@@ -3828,8 +3829,8 @@
         </p:blipFill>
         <p:spPr>
           <a:xfrm>
-            <a:off x="1314450" y="2356644"/>
-            <a:ext cx="9563100" cy="3289300"/>
+            <a:off x="1270000" y="2318544"/>
+            <a:ext cx="9652000" cy="3365500"/>
           </a:xfrm>
         </p:spPr>
       </p:pic>
@@ -4744,6 +4745,125 @@
 </file>
 
 <file path=ppt/slides/slide27.xml><?xml version="1.0" encoding="utf-8"?>
+<p:sld xmlns:a="http://schemas.openxmlformats.org/drawingml/2006/main" xmlns:r="http://schemas.openxmlformats.org/officeDocument/2006/relationships" xmlns:p="http://schemas.openxmlformats.org/presentationml/2006/main">
+  <p:cSld>
+    <p:spTree>
+      <p:nvGrpSpPr>
+        <p:cNvPr id="1" name=""/>
+        <p:cNvGrpSpPr/>
+        <p:nvPr/>
+      </p:nvGrpSpPr>
+      <p:grpSpPr>
+        <a:xfrm>
+          <a:off x="0" y="0"/>
+          <a:ext cx="0" cy="0"/>
+          <a:chOff x="0" y="0"/>
+          <a:chExt cx="0" cy="0"/>
+        </a:xfrm>
+      </p:grpSpPr>
+      <p:sp>
+        <p:nvSpPr>
+          <p:cNvPr id="2" name="Title 1">
+            <a:extLst>
+              <a:ext uri="{FF2B5EF4-FFF2-40B4-BE49-F238E27FC236}">
+                <a16:creationId xmlns:a16="http://schemas.microsoft.com/office/drawing/2014/main" id="{AB32AFC9-8D22-5841-918B-15756D5489C4}"/>
+              </a:ext>
+            </a:extLst>
+          </p:cNvPr>
+          <p:cNvSpPr>
+            <a:spLocks noGrp="1"/>
+          </p:cNvSpPr>
+          <p:nvPr>
+            <p:ph type="title"/>
+          </p:nvPr>
+        </p:nvSpPr>
+        <p:spPr/>
+        <p:txBody>
+          <a:bodyPr/>
+          <a:lstStyle/>
+          <a:p>
+            <a:r>
+              <a:rPr lang="en-US" dirty="0"/>
+              <a:t>Change Versions</a:t>
+            </a:r>
+          </a:p>
+        </p:txBody>
+      </p:sp>
+      <p:sp>
+        <p:nvSpPr>
+          <p:cNvPr id="3" name="Content Placeholder 2">
+            <a:extLst>
+              <a:ext uri="{FF2B5EF4-FFF2-40B4-BE49-F238E27FC236}">
+                <a16:creationId xmlns:a16="http://schemas.microsoft.com/office/drawing/2014/main" id="{E72BA079-DF1A-6A43-9C3F-FD52D4494E5C}"/>
+              </a:ext>
+            </a:extLst>
+          </p:cNvPr>
+          <p:cNvSpPr>
+            <a:spLocks noGrp="1"/>
+          </p:cNvSpPr>
+          <p:nvPr>
+            <p:ph idx="1"/>
+          </p:nvPr>
+        </p:nvSpPr>
+        <p:spPr/>
+        <p:txBody>
+          <a:bodyPr/>
+          <a:lstStyle/>
+          <a:p>
+            <a:r>
+              <a:rPr lang="en-US" dirty="0"/>
+              <a:t>Installer – Pull down the installer that you want to use to the directory for </a:t>
+            </a:r>
+            <a:r>
+              <a:rPr lang="en-US" dirty="0" err="1"/>
+              <a:t>azocpupi</a:t>
+            </a:r>
+            <a:r>
+              <a:rPr lang="en-US" dirty="0"/>
+              <a:t> as the scripts all use ./</a:t>
+            </a:r>
+            <a:r>
+              <a:rPr lang="en-US" dirty="0" err="1"/>
+              <a:t>openshift</a:t>
+            </a:r>
+            <a:r>
+              <a:rPr lang="en-US" dirty="0"/>
+              <a:t>-install </a:t>
+            </a:r>
+          </a:p>
+          <a:p>
+            <a:r>
+              <a:rPr lang="en-US" dirty="0"/>
+              <a:t>Two file modifications are needed</a:t>
+            </a:r>
+          </a:p>
+          <a:p>
+            <a:pPr lvl="1"/>
+            <a:r>
+              <a:rPr lang="en-US" dirty="0"/>
+              <a:t>Image for RHCOS</a:t>
+            </a:r>
+          </a:p>
+          <a:p>
+            <a:pPr lvl="1"/>
+            <a:endParaRPr lang="en-US" dirty="0"/>
+          </a:p>
+        </p:txBody>
+      </p:sp>
+    </p:spTree>
+    <p:extLst>
+      <p:ext uri="{BB962C8B-B14F-4D97-AF65-F5344CB8AC3E}">
+        <p14:creationId xmlns:p14="http://schemas.microsoft.com/office/powerpoint/2010/main" val="626430775"/>
+      </p:ext>
+    </p:extLst>
+  </p:cSld>
+  <p:clrMapOvr>
+    <a:masterClrMapping/>
+  </p:clrMapOvr>
+</p:sld>
+</file>
+
+<file path=ppt/slides/slide28.xml><?xml version="1.0" encoding="utf-8"?>
 <p:sld xmlns:a="http://schemas.openxmlformats.org/drawingml/2006/main" xmlns:r="http://schemas.openxmlformats.org/officeDocument/2006/relationships" xmlns:p="http://schemas.openxmlformats.org/presentationml/2006/main">
   <p:cSld>
     <p:spTree>

--- a/doc/azocpupi_overview.pptx
+++ b/doc/azocpupi_overview.pptx
@@ -3807,19 +3807,17 @@
       </p:sp>
       <p:pic>
         <p:nvPicPr>
-          <p:cNvPr id="6" name="Content Placeholder 5">
+          <p:cNvPr id="10" name="Content Placeholder 4">
             <a:extLst>
               <a:ext uri="{FF2B5EF4-FFF2-40B4-BE49-F238E27FC236}">
-                <a16:creationId xmlns:a16="http://schemas.microsoft.com/office/drawing/2014/main" id="{356F09E5-D6B4-7A4F-A190-116F1B68C23F}"/>
+                <a16:creationId xmlns:a16="http://schemas.microsoft.com/office/drawing/2014/main" id="{EE562A7F-3209-7943-AF00-1FBC4A290738}"/>
               </a:ext>
             </a:extLst>
           </p:cNvPr>
           <p:cNvPicPr>
-            <a:picLocks noGrp="1" noChangeAspect="1"/>
+            <a:picLocks noChangeAspect="1"/>
           </p:cNvPicPr>
-          <p:nvPr>
-            <p:ph idx="1"/>
-          </p:nvPr>
+          <p:nvPr/>
         </p:nvPicPr>
         <p:blipFill>
           <a:blip r:embed="rId2"/>
@@ -3829,9 +3827,12 @@
         </p:blipFill>
         <p:spPr>
           <a:xfrm>
-            <a:off x="1270000" y="2318544"/>
-            <a:ext cx="9652000" cy="3365500"/>
+            <a:off x="1009650" y="2261394"/>
+            <a:ext cx="10172700" cy="3479800"/>
           </a:xfrm>
+          <a:prstGeom prst="rect">
+            <a:avLst/>
+          </a:prstGeom>
         </p:spPr>
       </p:pic>
     </p:spTree>
